--- a/PPTX/LU Exam Hive-Mz.pptx
+++ b/PPTX/LU Exam Hive-Mz.pptx
@@ -111,6 +111,11 @@
       </a:defRPr>
     </a:lvl9pPr>
   </p:defaultTextStyle>
+  <p:extLst>
+    <p:ext uri="{EFAFB233-063F-42B5-8137-9DF3F51BA10A}">
+      <p15:sldGuideLst xmlns:p15="http://schemas.microsoft.com/office/powerpoint/2012/main"/>
+    </p:ext>
+  </p:extLst>
 </p:presentation>
 </file>
 
@@ -245,7 +250,7 @@
           <a:p>
             <a:fld id="{911B2C8D-52A9-4D3B-BDEF-6935DB5348C8}" type="datetimeFigureOut">
               <a:rPr lang="en-US" smtClean="0"/>
-              <a:t>17-Mar-21</a:t>
+              <a:t>18-Mar-21</a:t>
             </a:fld>
             <a:endParaRPr lang="en-US"/>
           </a:p>
@@ -415,7 +420,7 @@
           <a:p>
             <a:fld id="{911B2C8D-52A9-4D3B-BDEF-6935DB5348C8}" type="datetimeFigureOut">
               <a:rPr lang="en-US" smtClean="0"/>
-              <a:t>17-Mar-21</a:t>
+              <a:t>18-Mar-21</a:t>
             </a:fld>
             <a:endParaRPr lang="en-US"/>
           </a:p>
@@ -595,7 +600,7 @@
           <a:p>
             <a:fld id="{911B2C8D-52A9-4D3B-BDEF-6935DB5348C8}" type="datetimeFigureOut">
               <a:rPr lang="en-US" smtClean="0"/>
-              <a:t>17-Mar-21</a:t>
+              <a:t>18-Mar-21</a:t>
             </a:fld>
             <a:endParaRPr lang="en-US"/>
           </a:p>
@@ -765,7 +770,7 @@
           <a:p>
             <a:fld id="{911B2C8D-52A9-4D3B-BDEF-6935DB5348C8}" type="datetimeFigureOut">
               <a:rPr lang="en-US" smtClean="0"/>
-              <a:t>17-Mar-21</a:t>
+              <a:t>18-Mar-21</a:t>
             </a:fld>
             <a:endParaRPr lang="en-US"/>
           </a:p>
@@ -1011,7 +1016,7 @@
           <a:p>
             <a:fld id="{911B2C8D-52A9-4D3B-BDEF-6935DB5348C8}" type="datetimeFigureOut">
               <a:rPr lang="en-US" smtClean="0"/>
-              <a:t>17-Mar-21</a:t>
+              <a:t>18-Mar-21</a:t>
             </a:fld>
             <a:endParaRPr lang="en-US"/>
           </a:p>
@@ -1243,7 +1248,7 @@
           <a:p>
             <a:fld id="{911B2C8D-52A9-4D3B-BDEF-6935DB5348C8}" type="datetimeFigureOut">
               <a:rPr lang="en-US" smtClean="0"/>
-              <a:t>17-Mar-21</a:t>
+              <a:t>18-Mar-21</a:t>
             </a:fld>
             <a:endParaRPr lang="en-US"/>
           </a:p>
@@ -1610,7 +1615,7 @@
           <a:p>
             <a:fld id="{911B2C8D-52A9-4D3B-BDEF-6935DB5348C8}" type="datetimeFigureOut">
               <a:rPr lang="en-US" smtClean="0"/>
-              <a:t>17-Mar-21</a:t>
+              <a:t>18-Mar-21</a:t>
             </a:fld>
             <a:endParaRPr lang="en-US"/>
           </a:p>
@@ -1728,7 +1733,7 @@
           <a:p>
             <a:fld id="{911B2C8D-52A9-4D3B-BDEF-6935DB5348C8}" type="datetimeFigureOut">
               <a:rPr lang="en-US" smtClean="0"/>
-              <a:t>17-Mar-21</a:t>
+              <a:t>18-Mar-21</a:t>
             </a:fld>
             <a:endParaRPr lang="en-US"/>
           </a:p>
@@ -1823,7 +1828,7 @@
           <a:p>
             <a:fld id="{911B2C8D-52A9-4D3B-BDEF-6935DB5348C8}" type="datetimeFigureOut">
               <a:rPr lang="en-US" smtClean="0"/>
-              <a:t>17-Mar-21</a:t>
+              <a:t>18-Mar-21</a:t>
             </a:fld>
             <a:endParaRPr lang="en-US"/>
           </a:p>
@@ -2100,7 +2105,7 @@
           <a:p>
             <a:fld id="{911B2C8D-52A9-4D3B-BDEF-6935DB5348C8}" type="datetimeFigureOut">
               <a:rPr lang="en-US" smtClean="0"/>
-              <a:t>17-Mar-21</a:t>
+              <a:t>18-Mar-21</a:t>
             </a:fld>
             <a:endParaRPr lang="en-US"/>
           </a:p>
@@ -2353,7 +2358,7 @@
           <a:p>
             <a:fld id="{911B2C8D-52A9-4D3B-BDEF-6935DB5348C8}" type="datetimeFigureOut">
               <a:rPr lang="en-US" smtClean="0"/>
-              <a:t>17-Mar-21</a:t>
+              <a:t>18-Mar-21</a:t>
             </a:fld>
             <a:endParaRPr lang="en-US"/>
           </a:p>
@@ -2566,7 +2571,7 @@
           <a:p>
             <a:fld id="{911B2C8D-52A9-4D3B-BDEF-6935DB5348C8}" type="datetimeFigureOut">
               <a:rPr lang="en-US" smtClean="0"/>
-              <a:t>17-Mar-21</a:t>
+              <a:t>18-Mar-21</a:t>
             </a:fld>
             <a:endParaRPr lang="en-US"/>
           </a:p>
@@ -3226,10 +3231,6 @@
               </a:rPr>
               <a:t>Mohammed Saduzzaman Sadi</a:t>
             </a:r>
-            <a:endParaRPr lang="en-US" sz="2300" dirty="0" smtClean="0">
-              <a:latin typeface="Times New Roman" panose="02020603050405020304" pitchFamily="18" charset="0"/>
-              <a:cs typeface="Times New Roman" panose="02020603050405020304" pitchFamily="18" charset="0"/>
-            </a:endParaRPr>
           </a:p>
           <a:p>
             <a:pPr>
@@ -3880,7 +3881,7 @@
         </p:blipFill>
         <p:spPr>
           <a:xfrm>
-            <a:off x="3579677" y="52975"/>
+            <a:off x="3579677" y="122969"/>
             <a:ext cx="5161200" cy="2107663"/>
           </a:xfrm>
           <a:prstGeom prst="rect">
@@ -3910,7 +3911,7 @@
         </p:blipFill>
         <p:spPr>
           <a:xfrm>
-            <a:off x="3579677" y="2309530"/>
+            <a:off x="3579677" y="2338284"/>
             <a:ext cx="5161200" cy="2117264"/>
           </a:xfrm>
           <a:prstGeom prst="rect">
@@ -3940,7 +3941,7 @@
         </p:blipFill>
         <p:spPr>
           <a:xfrm>
-            <a:off x="3579677" y="4575686"/>
+            <a:off x="3579677" y="4633195"/>
             <a:ext cx="5161200" cy="2137777"/>
           </a:xfrm>
           <a:prstGeom prst="rect">
@@ -3956,8 +3957,8 @@
         </p:nvSpPr>
         <p:spPr>
           <a:xfrm>
-            <a:off x="280990" y="2898152"/>
-            <a:ext cx="3056609" cy="823752"/>
+            <a:off x="91209" y="0"/>
+            <a:ext cx="3298687" cy="810735"/>
           </a:xfrm>
           <a:prstGeom prst="rect">
             <a:avLst/>
@@ -4017,7 +4018,10 @@
             <a:r>
               <a:rPr lang="en-US" dirty="0" smtClean="0">
                 <a:solidFill>
-                  <a:schemeClr val="bg1"/>
+                  <a:schemeClr val="accent1">
+                    <a:lumMod val="60000"/>
+                    <a:lumOff val="40000"/>
+                  </a:schemeClr>
                 </a:solidFill>
                 <a:latin typeface="Times New Roman" panose="02020603050405020304" pitchFamily="18" charset="0"/>
                 <a:cs typeface="Times New Roman" panose="02020603050405020304" pitchFamily="18" charset="0"/>
@@ -4026,7 +4030,10 @@
             </a:r>
             <a:endParaRPr lang="en-US" dirty="0">
               <a:solidFill>
-                <a:schemeClr val="bg1"/>
+                <a:schemeClr val="accent1">
+                  <a:lumMod val="60000"/>
+                  <a:lumOff val="40000"/>
+                </a:schemeClr>
               </a:solidFill>
               <a:latin typeface="Times New Roman" panose="02020603050405020304" pitchFamily="18" charset="0"/>
               <a:cs typeface="Times New Roman" panose="02020603050405020304" pitchFamily="18" charset="0"/>
@@ -4106,7 +4113,7 @@
             <a:r>
               <a:rPr lang="en-US" dirty="0" smtClean="0">
                 <a:solidFill>
-                  <a:schemeClr val="bg1"/>
+                  <a:srgbClr val="FF0000"/>
                 </a:solidFill>
                 <a:latin typeface="Times New Roman" panose="02020603050405020304" pitchFamily="18" charset="0"/>
                 <a:cs typeface="Times New Roman" panose="02020603050405020304" pitchFamily="18" charset="0"/>
@@ -4115,7 +4122,7 @@
             </a:r>
             <a:endParaRPr lang="en-US" dirty="0">
               <a:solidFill>
-                <a:schemeClr val="bg1"/>
+                <a:srgbClr val="FF0000"/>
               </a:solidFill>
               <a:latin typeface="Times New Roman" panose="02020603050405020304" pitchFamily="18" charset="0"/>
               <a:cs typeface="Times New Roman" panose="02020603050405020304" pitchFamily="18" charset="0"/>
@@ -4195,7 +4202,10 @@
             <a:r>
               <a:rPr lang="en-US" dirty="0" smtClean="0">
                 <a:solidFill>
-                  <a:schemeClr val="bg1"/>
+                  <a:schemeClr val="accent6">
+                    <a:lumMod val="60000"/>
+                    <a:lumOff val="40000"/>
+                  </a:schemeClr>
                 </a:solidFill>
                 <a:latin typeface="Times New Roman" panose="02020603050405020304" pitchFamily="18" charset="0"/>
                 <a:cs typeface="Times New Roman" panose="02020603050405020304" pitchFamily="18" charset="0"/>
@@ -4204,11 +4214,346 @@
             </a:r>
             <a:endParaRPr lang="en-US" dirty="0">
               <a:solidFill>
-                <a:schemeClr val="bg1"/>
+                <a:schemeClr val="accent6">
+                  <a:lumMod val="60000"/>
+                  <a:lumOff val="40000"/>
+                </a:schemeClr>
               </a:solidFill>
               <a:latin typeface="Times New Roman" panose="02020603050405020304" pitchFamily="18" charset="0"/>
               <a:cs typeface="Times New Roman" panose="02020603050405020304" pitchFamily="18" charset="0"/>
             </a:endParaRPr>
+          </a:p>
+        </p:txBody>
+      </p:sp>
+      <p:sp>
+        <p:nvSpPr>
+          <p:cNvPr id="7" name="Rectangle 6"/>
+          <p:cNvSpPr/>
+          <p:nvPr/>
+        </p:nvSpPr>
+        <p:spPr>
+          <a:xfrm>
+            <a:off x="949336" y="2075637"/>
+            <a:ext cx="1622560" cy="867032"/>
+          </a:xfrm>
+          <a:prstGeom prst="rect">
+            <a:avLst/>
+          </a:prstGeom>
+        </p:spPr>
+        <p:txBody>
+          <a:bodyPr wrap="none">
+            <a:spAutoFit/>
+          </a:bodyPr>
+          <a:lstStyle/>
+          <a:p>
+            <a:pPr algn="ctr">
+              <a:lnSpc>
+                <a:spcPct val="150000"/>
+              </a:lnSpc>
+            </a:pPr>
+            <a:r>
+              <a:rPr lang="en-US" spc="600" dirty="0" smtClean="0">
+                <a:latin typeface="Bahnschrift SemiBold" panose="020B0502040204020203" pitchFamily="34" charset="0"/>
+                <a:cs typeface="Times New Roman" panose="02020603050405020304" pitchFamily="18" charset="0"/>
+              </a:rPr>
+              <a:t>Complex</a:t>
+            </a:r>
+          </a:p>
+          <a:p>
+            <a:pPr algn="ctr">
+              <a:lnSpc>
+                <a:spcPct val="150000"/>
+              </a:lnSpc>
+            </a:pPr>
+            <a:r>
+              <a:rPr lang="en-US" spc="600" dirty="0" smtClean="0">
+                <a:latin typeface="Bahnschrift SemiBold" panose="020B0502040204020203" pitchFamily="34" charset="0"/>
+                <a:cs typeface="Times New Roman" panose="02020603050405020304" pitchFamily="18" charset="0"/>
+              </a:rPr>
+              <a:t> </a:t>
+            </a:r>
+            <a:r>
+              <a:rPr lang="en-US" spc="600" dirty="0">
+                <a:latin typeface="Bahnschrift SemiBold" panose="020B0502040204020203" pitchFamily="34" charset="0"/>
+                <a:cs typeface="Times New Roman" panose="02020603050405020304" pitchFamily="18" charset="0"/>
+              </a:rPr>
+              <a:t>UI</a:t>
+            </a:r>
+          </a:p>
+        </p:txBody>
+      </p:sp>
+      <p:cxnSp>
+        <p:nvCxnSpPr>
+          <p:cNvPr id="15" name="Straight Connector 14"/>
+          <p:cNvCxnSpPr/>
+          <p:nvPr/>
+        </p:nvCxnSpPr>
+        <p:spPr>
+          <a:xfrm>
+            <a:off x="1041059" y="1883428"/>
+            <a:ext cx="1477993" cy="1146359"/>
+          </a:xfrm>
+          <a:prstGeom prst="line">
+            <a:avLst/>
+          </a:prstGeom>
+          <a:ln>
+            <a:solidFill>
+              <a:srgbClr val="FF0000"/>
+            </a:solidFill>
+          </a:ln>
+        </p:spPr>
+        <p:style>
+          <a:lnRef idx="2">
+            <a:schemeClr val="accent2"/>
+          </a:lnRef>
+          <a:fillRef idx="0">
+            <a:schemeClr val="accent2"/>
+          </a:fillRef>
+          <a:effectRef idx="1">
+            <a:schemeClr val="accent2"/>
+          </a:effectRef>
+          <a:fontRef idx="minor">
+            <a:schemeClr val="tx1"/>
+          </a:fontRef>
+        </p:style>
+      </p:cxnSp>
+      <p:sp>
+        <p:nvSpPr>
+          <p:cNvPr id="20" name="Rectangle 19"/>
+          <p:cNvSpPr/>
+          <p:nvPr/>
+        </p:nvSpPr>
+        <p:spPr>
+          <a:xfrm>
+            <a:off x="1121603" y="5446261"/>
+            <a:ext cx="986167" cy="923330"/>
+          </a:xfrm>
+          <a:prstGeom prst="rect">
+            <a:avLst/>
+          </a:prstGeom>
+        </p:spPr>
+        <p:txBody>
+          <a:bodyPr wrap="none">
+            <a:spAutoFit/>
+          </a:bodyPr>
+          <a:lstStyle/>
+          <a:p>
+            <a:pPr algn="ctr">
+              <a:lnSpc>
+                <a:spcPct val="150000"/>
+              </a:lnSpc>
+            </a:pPr>
+            <a:r>
+              <a:rPr lang="en-US" spc="600" dirty="0" smtClean="0">
+                <a:latin typeface="Bahnschrift SemiBold" panose="020B0502040204020203" pitchFamily="34" charset="0"/>
+                <a:cs typeface="Times New Roman" panose="02020603050405020304" pitchFamily="18" charset="0"/>
+              </a:rPr>
+              <a:t>Easy</a:t>
+            </a:r>
+          </a:p>
+          <a:p>
+            <a:pPr algn="ctr">
+              <a:lnSpc>
+                <a:spcPct val="150000"/>
+              </a:lnSpc>
+            </a:pPr>
+            <a:r>
+              <a:rPr lang="en-US" spc="600" dirty="0" smtClean="0">
+                <a:latin typeface="Bahnschrift SemiBold" panose="020B0502040204020203" pitchFamily="34" charset="0"/>
+                <a:cs typeface="Times New Roman" panose="02020603050405020304" pitchFamily="18" charset="0"/>
+              </a:rPr>
+              <a:t>UI</a:t>
+            </a:r>
+            <a:endParaRPr lang="en-US" spc="600" dirty="0">
+              <a:latin typeface="Bahnschrift SemiBold" panose="020B0502040204020203" pitchFamily="34" charset="0"/>
+              <a:cs typeface="Times New Roman" panose="02020603050405020304" pitchFamily="18" charset="0"/>
+            </a:endParaRPr>
+          </a:p>
+        </p:txBody>
+      </p:sp>
+      <p:cxnSp>
+        <p:nvCxnSpPr>
+          <p:cNvPr id="24" name="Straight Connector 23"/>
+          <p:cNvCxnSpPr/>
+          <p:nvPr/>
+        </p:nvCxnSpPr>
+        <p:spPr>
+          <a:xfrm>
+            <a:off x="1061736" y="6137772"/>
+            <a:ext cx="321247" cy="222639"/>
+          </a:xfrm>
+          <a:prstGeom prst="line">
+            <a:avLst/>
+          </a:prstGeom>
+          <a:ln>
+            <a:solidFill>
+              <a:srgbClr val="00B050"/>
+            </a:solidFill>
+          </a:ln>
+        </p:spPr>
+        <p:style>
+          <a:lnRef idx="2">
+            <a:schemeClr val="accent2"/>
+          </a:lnRef>
+          <a:fillRef idx="0">
+            <a:schemeClr val="accent2"/>
+          </a:fillRef>
+          <a:effectRef idx="1">
+            <a:schemeClr val="accent2"/>
+          </a:effectRef>
+          <a:fontRef idx="minor">
+            <a:schemeClr val="tx1"/>
+          </a:fontRef>
+        </p:style>
+      </p:cxnSp>
+      <p:cxnSp>
+        <p:nvCxnSpPr>
+          <p:cNvPr id="26" name="Straight Connector 25"/>
+          <p:cNvCxnSpPr/>
+          <p:nvPr/>
+        </p:nvCxnSpPr>
+        <p:spPr>
+          <a:xfrm flipV="1">
+            <a:off x="1382983" y="5124091"/>
+            <a:ext cx="1076512" cy="1245500"/>
+          </a:xfrm>
+          <a:prstGeom prst="line">
+            <a:avLst/>
+          </a:prstGeom>
+          <a:ln>
+            <a:solidFill>
+              <a:srgbClr val="00B050"/>
+            </a:solidFill>
+          </a:ln>
+        </p:spPr>
+        <p:style>
+          <a:lnRef idx="2">
+            <a:schemeClr val="accent2"/>
+          </a:lnRef>
+          <a:fillRef idx="0">
+            <a:schemeClr val="accent2"/>
+          </a:fillRef>
+          <a:effectRef idx="1">
+            <a:schemeClr val="accent2"/>
+          </a:effectRef>
+          <a:fontRef idx="minor">
+            <a:schemeClr val="tx1"/>
+          </a:fontRef>
+        </p:style>
+      </p:cxnSp>
+      <p:cxnSp>
+        <p:nvCxnSpPr>
+          <p:cNvPr id="28" name="Straight Connector 27"/>
+          <p:cNvCxnSpPr/>
+          <p:nvPr/>
+        </p:nvCxnSpPr>
+        <p:spPr>
+          <a:xfrm flipV="1">
+            <a:off x="1061736" y="1870966"/>
+            <a:ext cx="1397759" cy="1146358"/>
+          </a:xfrm>
+          <a:prstGeom prst="line">
+            <a:avLst/>
+          </a:prstGeom>
+          <a:ln>
+            <a:solidFill>
+              <a:srgbClr val="FF0000"/>
+            </a:solidFill>
+          </a:ln>
+        </p:spPr>
+        <p:style>
+          <a:lnRef idx="2">
+            <a:schemeClr val="accent2"/>
+          </a:lnRef>
+          <a:fillRef idx="0">
+            <a:schemeClr val="accent2"/>
+          </a:fillRef>
+          <a:effectRef idx="1">
+            <a:schemeClr val="accent2"/>
+          </a:effectRef>
+          <a:fontRef idx="minor">
+            <a:schemeClr val="tx1"/>
+          </a:fontRef>
+        </p:style>
+      </p:cxnSp>
+      <p:sp>
+        <p:nvSpPr>
+          <p:cNvPr id="42" name="Rectangle 41"/>
+          <p:cNvSpPr/>
+          <p:nvPr/>
+        </p:nvSpPr>
+        <p:spPr>
+          <a:xfrm>
+            <a:off x="12194" y="1346678"/>
+            <a:ext cx="2016899" cy="369332"/>
+          </a:xfrm>
+          <a:prstGeom prst="rect">
+            <a:avLst/>
+          </a:prstGeom>
+        </p:spPr>
+        <p:txBody>
+          <a:bodyPr wrap="none">
+            <a:spAutoFit/>
+          </a:bodyPr>
+          <a:lstStyle/>
+          <a:p>
+            <a:pPr marL="285750" indent="-285750">
+              <a:buFont typeface="Wingdings" panose="05000000000000000000" pitchFamily="2" charset="2"/>
+              <a:buChar char="§"/>
+            </a:pPr>
+            <a:r>
+              <a:rPr lang="en-US" spc="600" dirty="0" smtClean="0">
+                <a:latin typeface="Bahnschrift SemiBold" panose="020B0502040204020203" pitchFamily="34" charset="0"/>
+                <a:cs typeface="Times New Roman" panose="02020603050405020304" pitchFamily="18" charset="0"/>
+              </a:rPr>
+              <a:t>No More:</a:t>
+            </a:r>
+            <a:endParaRPr lang="en-US" dirty="0"/>
+          </a:p>
+        </p:txBody>
+      </p:sp>
+      <p:sp>
+        <p:nvSpPr>
+          <p:cNvPr id="44" name="Rectangle 43"/>
+          <p:cNvSpPr/>
+          <p:nvPr/>
+        </p:nvSpPr>
+        <p:spPr>
+          <a:xfrm>
+            <a:off x="91209" y="4633195"/>
+            <a:ext cx="2018501" cy="646331"/>
+          </a:xfrm>
+          <a:prstGeom prst="rect">
+            <a:avLst/>
+          </a:prstGeom>
+        </p:spPr>
+        <p:txBody>
+          <a:bodyPr wrap="none">
+            <a:spAutoFit/>
+          </a:bodyPr>
+          <a:lstStyle/>
+          <a:p>
+            <a:pPr marL="285750" indent="-285750">
+              <a:buFont typeface="Wingdings" panose="05000000000000000000" pitchFamily="2" charset="2"/>
+              <a:buChar char="§"/>
+            </a:pPr>
+            <a:r>
+              <a:rPr lang="en-US" spc="600" dirty="0" smtClean="0">
+                <a:latin typeface="Bahnschrift SemiBold" panose="020B0502040204020203" pitchFamily="34" charset="0"/>
+                <a:cs typeface="Times New Roman" panose="02020603050405020304" pitchFamily="18" charset="0"/>
+              </a:rPr>
+              <a:t>Focused </a:t>
+            </a:r>
+          </a:p>
+          <a:p>
+            <a:r>
+              <a:rPr lang="en-US" spc="600" dirty="0" smtClean="0">
+                <a:latin typeface="Bahnschrift SemiBold" panose="020B0502040204020203" pitchFamily="34" charset="0"/>
+                <a:cs typeface="Times New Roman" panose="02020603050405020304" pitchFamily="18" charset="0"/>
+              </a:rPr>
+              <a:t>  on :</a:t>
+            </a:r>
+            <a:endParaRPr lang="en-US" dirty="0"/>
           </a:p>
         </p:txBody>
       </p:sp>
@@ -4307,7 +4652,7 @@
         </p:blipFill>
         <p:spPr>
           <a:xfrm>
-            <a:off x="2251561" y="3720887"/>
+            <a:off x="1498188" y="3595526"/>
             <a:ext cx="2427791" cy="2251534"/>
           </a:xfrm>
           <a:prstGeom prst="rect">
@@ -4337,7 +4682,7 @@
         </p:blipFill>
         <p:spPr>
           <a:xfrm>
-            <a:off x="7330933" y="3849639"/>
+            <a:off x="7089393" y="3849638"/>
             <a:ext cx="1997421" cy="1997421"/>
           </a:xfrm>
           <a:prstGeom prst="rect">
@@ -4361,7 +4706,7 @@
         </p:nvSpPr>
         <p:spPr>
           <a:xfrm>
-            <a:off x="9225116" y="4609822"/>
+            <a:off x="9006580" y="4609821"/>
             <a:ext cx="2256504" cy="477054"/>
           </a:xfrm>
           <a:prstGeom prst="rect">
@@ -4382,11 +4727,6 @@
               </a:rPr>
               <a:t>LU Exam Hive</a:t>
             </a:r>
-            <a:endParaRPr lang="en-US" sz="2500" dirty="0">
-              <a:latin typeface="Microsoft JhengHei Light" panose="020B0304030504040204" pitchFamily="34" charset="-120"/>
-              <a:ea typeface="Microsoft JhengHei Light" panose="020B0304030504040204" pitchFamily="34" charset="-120"/>
-              <a:cs typeface="Times New Roman" panose="02020603050405020304" pitchFamily="18" charset="0"/>
-            </a:endParaRPr>
           </a:p>
         </p:txBody>
       </p:sp>
@@ -4614,12 +4954,23 @@
           <a:p>
             <a:r>
               <a:rPr lang="en-US" sz="1500" spc="600" dirty="0" smtClean="0">
+                <a:solidFill>
+                  <a:schemeClr val="accent1">
+                    <a:lumMod val="75000"/>
+                  </a:schemeClr>
+                </a:solidFill>
                 <a:latin typeface="Bahnschrift SemiBold" panose="020B0502040204020203" pitchFamily="34" charset="0"/>
                 <a:cs typeface="Times New Roman" panose="02020603050405020304" pitchFamily="18" charset="0"/>
               </a:rPr>
               <a:t>Teacher Avatar</a:t>
             </a:r>
-            <a:endParaRPr lang="en-US" sz="1500" dirty="0"/>
+            <a:endParaRPr lang="en-US" sz="1500" dirty="0">
+              <a:solidFill>
+                <a:schemeClr val="accent1">
+                  <a:lumMod val="75000"/>
+                </a:schemeClr>
+              </a:solidFill>
+            </a:endParaRPr>
           </a:p>
         </p:txBody>
       </p:sp>
@@ -4646,6 +4997,11 @@
           <a:p>
             <a:r>
               <a:rPr lang="en-US" spc="600" dirty="0" smtClean="0">
+                <a:solidFill>
+                  <a:schemeClr val="accent6">
+                    <a:lumMod val="75000"/>
+                  </a:schemeClr>
+                </a:solidFill>
                 <a:latin typeface="Bahnschrift SemiBold" panose="020B0502040204020203" pitchFamily="34" charset="0"/>
                 <a:cs typeface="Times New Roman" panose="02020603050405020304" pitchFamily="18" charset="0"/>
               </a:rPr>
@@ -4653,12 +5009,23 @@
             </a:r>
             <a:r>
               <a:rPr lang="en-US" spc="600" dirty="0">
+                <a:solidFill>
+                  <a:schemeClr val="accent6">
+                    <a:lumMod val="75000"/>
+                  </a:schemeClr>
+                </a:solidFill>
                 <a:latin typeface="Bahnschrift SemiBold" panose="020B0502040204020203" pitchFamily="34" charset="0"/>
                 <a:cs typeface="Times New Roman" panose="02020603050405020304" pitchFamily="18" charset="0"/>
               </a:rPr>
               <a:t>Avatar</a:t>
             </a:r>
-            <a:endParaRPr lang="en-US" dirty="0"/>
+            <a:endParaRPr lang="en-US" dirty="0">
+              <a:solidFill>
+                <a:schemeClr val="accent6">
+                  <a:lumMod val="75000"/>
+                </a:schemeClr>
+              </a:solidFill>
+            </a:endParaRPr>
           </a:p>
         </p:txBody>
       </p:sp>
@@ -4670,7 +5037,7 @@
         </p:nvSpPr>
         <p:spPr>
           <a:xfrm>
-            <a:off x="5034349" y="6483299"/>
+            <a:off x="4827315" y="6452504"/>
             <a:ext cx="2512226" cy="369332"/>
           </a:xfrm>
           <a:prstGeom prst="rect">
@@ -4685,6 +5052,9 @@
           <a:p>
             <a:r>
               <a:rPr lang="en-US" spc="600" dirty="0" smtClean="0">
+                <a:solidFill>
+                  <a:srgbClr val="FF0000"/>
+                </a:solidFill>
                 <a:latin typeface="Bahnschrift SemiBold" panose="020B0502040204020203" pitchFamily="34" charset="0"/>
                 <a:cs typeface="Times New Roman" panose="02020603050405020304" pitchFamily="18" charset="0"/>
               </a:rPr>
@@ -4692,12 +5062,19 @@
             </a:r>
             <a:r>
               <a:rPr lang="en-US" spc="600" dirty="0">
+                <a:solidFill>
+                  <a:srgbClr val="FF0000"/>
+                </a:solidFill>
                 <a:latin typeface="Bahnschrift SemiBold" panose="020B0502040204020203" pitchFamily="34" charset="0"/>
                 <a:cs typeface="Times New Roman" panose="02020603050405020304" pitchFamily="18" charset="0"/>
               </a:rPr>
               <a:t>Avatar</a:t>
             </a:r>
-            <a:endParaRPr lang="en-US" dirty="0"/>
+            <a:endParaRPr lang="en-US" dirty="0">
+              <a:solidFill>
+                <a:srgbClr val="FF0000"/>
+              </a:solidFill>
+            </a:endParaRPr>
           </a:p>
         </p:txBody>
       </p:sp>
